--- a/Final Project/Proposal.pptx
+++ b/Final Project/Proposal.pptx
@@ -109,6 +109,22 @@
       </a:defRPr>
     </a:lvl9pPr>
   </p:defaultTextStyle>
+  <p:extLst>
+    <p:ext uri="{EFAFB233-063F-42B5-8137-9DF3F51BA10A}">
+      <p15:sldGuideLst xmlns:p15="http://schemas.microsoft.com/office/powerpoint/2012/main">
+        <p15:guide id="1" orient="horz" pos="2160">
+          <p15:clr>
+            <a:srgbClr val="A4A3A4"/>
+          </p15:clr>
+        </p15:guide>
+        <p15:guide id="2" pos="2880">
+          <p15:clr>
+            <a:srgbClr val="A4A3A4"/>
+          </p15:clr>
+        </p15:guide>
+      </p15:sldGuideLst>
+    </p:ext>
+  </p:extLst>
 </p:presentation>
 </file>
 
@@ -192,9 +208,7 @@
         </p:style>
         <p:txBody>
           <a:bodyPr anchor="ctr"/>
-          <a:lstStyle>
-            <a:extLst/>
-          </a:lstStyle>
+          <a:lstStyle/>
           <a:p>
             <a:pPr algn="ctr" eaLnBrk="1" latinLnBrk="0" hangingPunct="1"/>
             <a:endParaRPr kumimoji="0" lang="en-US"/>
@@ -407,9 +421,7 @@
           </p:spPr>
           <p:txBody>
             <a:bodyPr vert="horz" wrap="square" lIns="91440" tIns="45720" rIns="91440" bIns="45720" anchor="t" compatLnSpc="1"/>
-            <a:lstStyle>
-              <a:extLst/>
-            </a:lstStyle>
+            <a:lstStyle/>
             <a:p>
               <a:endParaRPr kumimoji="0" lang="en-US"/>
             </a:p>
@@ -489,9 +501,7 @@
           </p:spPr>
           <p:txBody>
             <a:bodyPr vert="horz" wrap="square" lIns="91440" tIns="45720" rIns="91440" bIns="45720" anchor="t" compatLnSpc="1"/>
-            <a:lstStyle>
-              <a:extLst/>
-            </a:lstStyle>
+            <a:lstStyle/>
             <a:p>
               <a:endParaRPr kumimoji="0" lang="en-US"/>
             </a:p>
@@ -648,9 +658,7 @@
           </p:style>
           <p:txBody>
             <a:bodyPr vert="horz" wrap="square" lIns="91440" tIns="45720" rIns="91440" bIns="45720" anchor="ctr" compatLnSpc="1"/>
-            <a:lstStyle>
-              <a:extLst/>
-            </a:lstStyle>
+            <a:lstStyle/>
             <a:p>
               <a:pPr algn="ctr" eaLnBrk="1" latinLnBrk="0" hangingPunct="1"/>
               <a:endParaRPr kumimoji="0" lang="en-US"/>
@@ -737,7 +745,7 @@
           <a:p>
             <a:fld id="{5F995BE3-DCEE-42B5-A668-079695F96248}" type="datetimeFigureOut">
               <a:rPr lang="en-US" smtClean="0"/>
-              <a:t>11/23/2015</a:t>
+              <a:t>12/2/2015</a:t>
             </a:fld>
             <a:endParaRPr lang="en-US"/>
           </a:p>
@@ -843,9 +851,7 @@
         <p:spPr/>
         <p:txBody>
           <a:bodyPr/>
-          <a:lstStyle>
-            <a:extLst/>
-          </a:lstStyle>
+          <a:lstStyle/>
           <a:p>
             <a:r>
               <a:rPr kumimoji="0" lang="en-US" smtClean="0"/>
@@ -873,9 +879,7 @@
         </p:spPr>
         <p:txBody>
           <a:bodyPr vert="eaVert"/>
-          <a:lstStyle>
-            <a:extLst/>
-          </a:lstStyle>
+          <a:lstStyle/>
           <a:p>
             <a:pPr lvl="0" eaLnBrk="1" latinLnBrk="0" hangingPunct="1"/>
             <a:r>
@@ -927,13 +931,11 @@
         <p:spPr/>
         <p:txBody>
           <a:bodyPr/>
-          <a:lstStyle>
-            <a:extLst/>
-          </a:lstStyle>
+          <a:lstStyle/>
           <a:p>
             <a:fld id="{5F995BE3-DCEE-42B5-A668-079695F96248}" type="datetimeFigureOut">
               <a:rPr lang="en-US" smtClean="0"/>
-              <a:t>11/23/2015</a:t>
+              <a:t>12/2/2015</a:t>
             </a:fld>
             <a:endParaRPr lang="en-US"/>
           </a:p>
@@ -952,9 +954,7 @@
         <p:spPr/>
         <p:txBody>
           <a:bodyPr/>
-          <a:lstStyle>
-            <a:extLst/>
-          </a:lstStyle>
+          <a:lstStyle/>
           <a:p>
             <a:endParaRPr lang="en-US"/>
           </a:p>
@@ -973,9 +973,7 @@
         <p:spPr/>
         <p:txBody>
           <a:bodyPr/>
-          <a:lstStyle>
-            <a:extLst/>
-          </a:lstStyle>
+          <a:lstStyle/>
           <a:p>
             <a:fld id="{18959988-0AA9-4686-9B4A-FF5764832CA1}" type="slidenum">
               <a:rPr lang="en-US" smtClean="0"/>
@@ -1028,9 +1026,7 @@
         </p:spPr>
         <p:txBody>
           <a:bodyPr vert="eaVert"/>
-          <a:lstStyle>
-            <a:extLst/>
-          </a:lstStyle>
+          <a:lstStyle/>
           <a:p>
             <a:r>
               <a:rPr kumimoji="0" lang="en-US" smtClean="0"/>
@@ -1058,9 +1054,7 @@
         </p:spPr>
         <p:txBody>
           <a:bodyPr vert="eaVert"/>
-          <a:lstStyle>
-            <a:extLst/>
-          </a:lstStyle>
+          <a:lstStyle/>
           <a:p>
             <a:pPr lvl="0" eaLnBrk="1" latinLnBrk="0" hangingPunct="1"/>
             <a:r>
@@ -1112,13 +1106,11 @@
         <p:spPr/>
         <p:txBody>
           <a:bodyPr/>
-          <a:lstStyle>
-            <a:extLst/>
-          </a:lstStyle>
+          <a:lstStyle/>
           <a:p>
             <a:fld id="{5F995BE3-DCEE-42B5-A668-079695F96248}" type="datetimeFigureOut">
               <a:rPr lang="en-US" smtClean="0"/>
-              <a:t>11/23/2015</a:t>
+              <a:t>12/2/2015</a:t>
             </a:fld>
             <a:endParaRPr lang="en-US"/>
           </a:p>
@@ -1137,9 +1129,7 @@
         <p:spPr/>
         <p:txBody>
           <a:bodyPr/>
-          <a:lstStyle>
-            <a:extLst/>
-          </a:lstStyle>
+          <a:lstStyle/>
           <a:p>
             <a:endParaRPr lang="en-US"/>
           </a:p>
@@ -1158,9 +1148,7 @@
         <p:spPr/>
         <p:txBody>
           <a:bodyPr/>
-          <a:lstStyle>
-            <a:extLst/>
-          </a:lstStyle>
+          <a:lstStyle/>
           <a:p>
             <a:fld id="{18959988-0AA9-4686-9B4A-FF5764832CA1}" type="slidenum">
               <a:rPr lang="en-US" smtClean="0"/>
@@ -1208,9 +1196,7 @@
         <p:spPr/>
         <p:txBody>
           <a:bodyPr/>
-          <a:lstStyle>
-            <a:extLst/>
-          </a:lstStyle>
+          <a:lstStyle/>
           <a:p>
             <a:pPr lvl="0" eaLnBrk="1" latinLnBrk="0" hangingPunct="1"/>
             <a:r>
@@ -1262,13 +1248,11 @@
         <p:spPr/>
         <p:txBody>
           <a:bodyPr/>
-          <a:lstStyle>
-            <a:extLst/>
-          </a:lstStyle>
+          <a:lstStyle/>
           <a:p>
             <a:fld id="{5F995BE3-DCEE-42B5-A668-079695F96248}" type="datetimeFigureOut">
               <a:rPr lang="en-US" smtClean="0"/>
-              <a:t>11/23/2015</a:t>
+              <a:t>12/2/2015</a:t>
             </a:fld>
             <a:endParaRPr lang="en-US"/>
           </a:p>
@@ -1287,9 +1271,7 @@
         <p:spPr/>
         <p:txBody>
           <a:bodyPr/>
-          <a:lstStyle>
-            <a:extLst/>
-          </a:lstStyle>
+          <a:lstStyle/>
           <a:p>
             <a:endParaRPr lang="en-US"/>
           </a:p>
@@ -1308,9 +1290,7 @@
         <p:spPr/>
         <p:txBody>
           <a:bodyPr/>
-          <a:lstStyle>
-            <a:extLst/>
-          </a:lstStyle>
+          <a:lstStyle/>
           <a:p>
             <a:fld id="{18959988-0AA9-4686-9B4A-FF5764832CA1}" type="slidenum">
               <a:rPr lang="en-US" smtClean="0"/>
@@ -1333,9 +1313,7 @@
         <p:spPr/>
         <p:txBody>
           <a:bodyPr rtlCol="0"/>
-          <a:lstStyle>
-            <a:extLst/>
-          </a:lstStyle>
+          <a:lstStyle/>
           <a:p>
             <a:r>
               <a:rPr kumimoji="0" lang="en-US" smtClean="0"/>
@@ -1517,13 +1495,11 @@
         <p:spPr/>
         <p:txBody>
           <a:bodyPr/>
-          <a:lstStyle>
-            <a:extLst/>
-          </a:lstStyle>
+          <a:lstStyle/>
           <a:p>
             <a:fld id="{5F995BE3-DCEE-42B5-A668-079695F96248}" type="datetimeFigureOut">
               <a:rPr lang="en-US" smtClean="0"/>
-              <a:t>11/23/2015</a:t>
+              <a:t>12/2/2015</a:t>
             </a:fld>
             <a:endParaRPr lang="en-US"/>
           </a:p>
@@ -1542,9 +1518,7 @@
         <p:spPr/>
         <p:txBody>
           <a:bodyPr/>
-          <a:lstStyle>
-            <a:extLst/>
-          </a:lstStyle>
+          <a:lstStyle/>
           <a:p>
             <a:endParaRPr lang="en-US"/>
           </a:p>
@@ -1563,9 +1537,7 @@
         <p:spPr/>
         <p:txBody>
           <a:bodyPr/>
-          <a:lstStyle>
-            <a:extLst/>
-          </a:lstStyle>
+          <a:lstStyle/>
           <a:p>
             <a:fld id="{18959988-0AA9-4686-9B4A-FF5764832CA1}" type="slidenum">
               <a:rPr lang="en-US" smtClean="0"/>
@@ -1646,9 +1618,7 @@
         </p:style>
         <p:txBody>
           <a:bodyPr anchor="ctr"/>
-          <a:lstStyle>
-            <a:extLst/>
-          </a:lstStyle>
+          <a:lstStyle/>
           <a:p>
             <a:pPr algn="l" eaLnBrk="1" latinLnBrk="0" hangingPunct="1"/>
             <a:endParaRPr kumimoji="0" lang="en-US"/>
@@ -1726,9 +1696,7 @@
         </p:style>
         <p:txBody>
           <a:bodyPr anchor="ctr"/>
-          <a:lstStyle>
-            <a:extLst/>
-          </a:lstStyle>
+          <a:lstStyle/>
           <a:p>
             <a:pPr algn="l" eaLnBrk="1" latinLnBrk="0" hangingPunct="1"/>
             <a:endParaRPr kumimoji="0" lang="en-US"/>
@@ -1926,13 +1894,11 @@
         <p:spPr/>
         <p:txBody>
           <a:bodyPr/>
-          <a:lstStyle>
-            <a:extLst/>
-          </a:lstStyle>
+          <a:lstStyle/>
           <a:p>
             <a:fld id="{5F995BE3-DCEE-42B5-A668-079695F96248}" type="datetimeFigureOut">
               <a:rPr lang="en-US" smtClean="0"/>
-              <a:t>11/23/2015</a:t>
+              <a:t>12/2/2015</a:t>
             </a:fld>
             <a:endParaRPr lang="en-US"/>
           </a:p>
@@ -1951,9 +1917,7 @@
         <p:spPr/>
         <p:txBody>
           <a:bodyPr/>
-          <a:lstStyle>
-            <a:extLst/>
-          </a:lstStyle>
+          <a:lstStyle/>
           <a:p>
             <a:endParaRPr lang="en-US"/>
           </a:p>
@@ -1972,9 +1936,7 @@
         <p:spPr/>
         <p:txBody>
           <a:bodyPr/>
-          <a:lstStyle>
-            <a:extLst/>
-          </a:lstStyle>
+          <a:lstStyle/>
           <a:p>
             <a:fld id="{18959988-0AA9-4686-9B4A-FF5764832CA1}" type="slidenum">
               <a:rPr lang="en-US" smtClean="0"/>
@@ -1997,9 +1959,7 @@
         <p:spPr/>
         <p:txBody>
           <a:bodyPr rtlCol="0"/>
-          <a:lstStyle>
-            <a:extLst/>
-          </a:lstStyle>
+          <a:lstStyle/>
           <a:p>
             <a:r>
               <a:rPr kumimoji="0" lang="en-US" smtClean="0"/>
@@ -2372,13 +2332,11 @@
         <p:spPr/>
         <p:txBody>
           <a:bodyPr/>
-          <a:lstStyle>
-            <a:extLst/>
-          </a:lstStyle>
+          <a:lstStyle/>
           <a:p>
             <a:fld id="{5F995BE3-DCEE-42B5-A668-079695F96248}" type="datetimeFigureOut">
               <a:rPr lang="en-US" smtClean="0"/>
-              <a:t>11/23/2015</a:t>
+              <a:t>12/2/2015</a:t>
             </a:fld>
             <a:endParaRPr lang="en-US"/>
           </a:p>
@@ -2397,9 +2355,7 @@
         <p:spPr/>
         <p:txBody>
           <a:bodyPr/>
-          <a:lstStyle>
-            <a:extLst/>
-          </a:lstStyle>
+          <a:lstStyle/>
           <a:p>
             <a:endParaRPr lang="en-US"/>
           </a:p>
@@ -2418,9 +2374,7 @@
         <p:spPr/>
         <p:txBody>
           <a:bodyPr/>
-          <a:lstStyle>
-            <a:extLst/>
-          </a:lstStyle>
+          <a:lstStyle/>
           <a:p>
             <a:fld id="{18959988-0AA9-4686-9B4A-FF5764832CA1}" type="slidenum">
               <a:rPr lang="en-US" smtClean="0"/>
@@ -2473,13 +2427,11 @@
         <p:spPr/>
         <p:txBody>
           <a:bodyPr/>
-          <a:lstStyle>
-            <a:extLst/>
-          </a:lstStyle>
+          <a:lstStyle/>
           <a:p>
             <a:fld id="{5F995BE3-DCEE-42B5-A668-079695F96248}" type="datetimeFigureOut">
               <a:rPr lang="en-US" smtClean="0"/>
-              <a:t>11/23/2015</a:t>
+              <a:t>12/2/2015</a:t>
             </a:fld>
             <a:endParaRPr lang="en-US"/>
           </a:p>
@@ -2498,9 +2450,7 @@
         <p:spPr/>
         <p:txBody>
           <a:bodyPr/>
-          <a:lstStyle>
-            <a:extLst/>
-          </a:lstStyle>
+          <a:lstStyle/>
           <a:p>
             <a:endParaRPr lang="en-US"/>
           </a:p>
@@ -2519,9 +2469,7 @@
         <p:spPr/>
         <p:txBody>
           <a:bodyPr/>
-          <a:lstStyle>
-            <a:extLst/>
-          </a:lstStyle>
+          <a:lstStyle/>
           <a:p>
             <a:fld id="{18959988-0AA9-4686-9B4A-FF5764832CA1}" type="slidenum">
               <a:rPr lang="en-US" smtClean="0"/>
@@ -2544,9 +2492,7 @@
         <p:spPr/>
         <p:txBody>
           <a:bodyPr rtlCol="0"/>
-          <a:lstStyle>
-            <a:extLst/>
-          </a:lstStyle>
+          <a:lstStyle/>
           <a:p>
             <a:r>
               <a:rPr kumimoji="0" lang="en-US" smtClean="0"/>
@@ -2594,13 +2540,11 @@
         <p:spPr/>
         <p:txBody>
           <a:bodyPr/>
-          <a:lstStyle>
-            <a:extLst/>
-          </a:lstStyle>
+          <a:lstStyle/>
           <a:p>
             <a:fld id="{5F995BE3-DCEE-42B5-A668-079695F96248}" type="datetimeFigureOut">
               <a:rPr lang="en-US" smtClean="0"/>
-              <a:t>11/23/2015</a:t>
+              <a:t>12/2/2015</a:t>
             </a:fld>
             <a:endParaRPr lang="en-US"/>
           </a:p>
@@ -2619,9 +2563,7 @@
         <p:spPr/>
         <p:txBody>
           <a:bodyPr/>
-          <a:lstStyle>
-            <a:extLst/>
-          </a:lstStyle>
+          <a:lstStyle/>
           <a:p>
             <a:endParaRPr lang="en-US"/>
           </a:p>
@@ -2640,9 +2582,7 @@
         <p:spPr/>
         <p:txBody>
           <a:bodyPr/>
-          <a:lstStyle>
-            <a:extLst/>
-          </a:lstStyle>
+          <a:lstStyle/>
           <a:p>
             <a:fld id="{18959988-0AA9-4686-9B4A-FF5764832CA1}" type="slidenum">
               <a:rPr lang="en-US" smtClean="0"/>
@@ -2868,13 +2808,11 @@
         </p:spPr>
         <p:txBody>
           <a:bodyPr/>
-          <a:lstStyle>
-            <a:extLst/>
-          </a:lstStyle>
+          <a:lstStyle/>
           <a:p>
             <a:fld id="{5F995BE3-DCEE-42B5-A668-079695F96248}" type="datetimeFigureOut">
               <a:rPr lang="en-US" smtClean="0"/>
-              <a:t>11/23/2015</a:t>
+              <a:t>12/2/2015</a:t>
             </a:fld>
             <a:endParaRPr lang="en-US"/>
           </a:p>
@@ -2893,9 +2831,7 @@
         <p:spPr/>
         <p:txBody>
           <a:bodyPr/>
-          <a:lstStyle>
-            <a:extLst/>
-          </a:lstStyle>
+          <a:lstStyle/>
           <a:p>
             <a:endParaRPr lang="en-US"/>
           </a:p>
@@ -2914,9 +2850,7 @@
         <p:spPr/>
         <p:txBody>
           <a:bodyPr/>
-          <a:lstStyle>
-            <a:extLst/>
-          </a:lstStyle>
+          <a:lstStyle/>
           <a:p>
             <a:fld id="{18959988-0AA9-4686-9B4A-FF5764832CA1}" type="slidenum">
               <a:rPr lang="en-US" smtClean="0"/>
@@ -3079,7 +3013,7 @@
           <a:p>
             <a:fld id="{5F995BE3-DCEE-42B5-A668-079695F96248}" type="datetimeFigureOut">
               <a:rPr lang="en-US" smtClean="0"/>
-              <a:t>11/23/2015</a:t>
+              <a:t>12/2/2015</a:t>
             </a:fld>
             <a:endParaRPr lang="en-US"/>
           </a:p>
@@ -3274,9 +3208,7 @@
         </p:spPr>
         <p:txBody>
           <a:bodyPr vert="horz" wrap="square" lIns="91440" tIns="45720" rIns="91440" bIns="45720" anchor="t" compatLnSpc="1"/>
-          <a:lstStyle>
-            <a:extLst/>
-          </a:lstStyle>
+          <a:lstStyle/>
           <a:p>
             <a:endParaRPr kumimoji="0" lang="en-US"/>
           </a:p>
@@ -3356,9 +3288,7 @@
         </p:spPr>
         <p:txBody>
           <a:bodyPr vert="horz" wrap="square" lIns="91440" tIns="45720" rIns="91440" bIns="45720" anchor="t" compatLnSpc="1"/>
-          <a:lstStyle>
-            <a:extLst/>
-          </a:lstStyle>
+          <a:lstStyle/>
           <a:p>
             <a:endParaRPr kumimoji="0" lang="en-US"/>
           </a:p>
@@ -3466,9 +3396,7 @@
         </p:style>
         <p:txBody>
           <a:bodyPr vert="horz" wrap="square" lIns="91440" tIns="45720" rIns="91440" bIns="45720" anchor="ctr" compatLnSpc="1"/>
-          <a:lstStyle>
-            <a:extLst/>
-          </a:lstStyle>
+          <a:lstStyle/>
           <a:p>
             <a:pPr algn="ctr" eaLnBrk="1" latinLnBrk="0" hangingPunct="1"/>
             <a:endParaRPr kumimoji="0" lang="en-US"/>
@@ -3599,9 +3527,7 @@
         </p:style>
         <p:txBody>
           <a:bodyPr anchor="ctr"/>
-          <a:lstStyle>
-            <a:extLst/>
-          </a:lstStyle>
+          <a:lstStyle/>
           <a:p>
             <a:pPr algn="l" eaLnBrk="1" latinLnBrk="0" hangingPunct="1"/>
             <a:endParaRPr kumimoji="0" lang="en-US"/>
@@ -3679,9 +3605,7 @@
         </p:style>
         <p:txBody>
           <a:bodyPr anchor="ctr"/>
-          <a:lstStyle>
-            <a:extLst/>
-          </a:lstStyle>
+          <a:lstStyle/>
           <a:p>
             <a:pPr algn="l" eaLnBrk="1" latinLnBrk="0" hangingPunct="1"/>
             <a:endParaRPr kumimoji="0" lang="en-US"/>
@@ -3794,9 +3718,7 @@
         </p:spPr>
         <p:txBody>
           <a:bodyPr vert="horz" wrap="square" lIns="91440" tIns="45720" rIns="91440" bIns="45720" anchor="t" compatLnSpc="1"/>
-          <a:lstStyle>
-            <a:extLst/>
-          </a:lstStyle>
+          <a:lstStyle/>
           <a:p>
             <a:endParaRPr kumimoji="0" lang="en-US"/>
           </a:p>
@@ -3876,9 +3798,7 @@
         </p:spPr>
         <p:txBody>
           <a:bodyPr vert="horz" wrap="square" lIns="91440" tIns="45720" rIns="91440" bIns="45720" anchor="t" compatLnSpc="1"/>
-          <a:lstStyle>
-            <a:extLst/>
-          </a:lstStyle>
+          <a:lstStyle/>
           <a:p>
             <a:endParaRPr kumimoji="0" lang="en-US"/>
           </a:p>
@@ -3986,9 +3906,7 @@
         </p:style>
         <p:txBody>
           <a:bodyPr vert="horz" wrap="square" lIns="91440" tIns="45720" rIns="91440" bIns="45720" anchor="ctr" compatLnSpc="1"/>
-          <a:lstStyle>
-            <a:extLst/>
-          </a:lstStyle>
+          <a:lstStyle/>
           <a:p>
             <a:pPr algn="ctr" eaLnBrk="1" latinLnBrk="0" hangingPunct="1"/>
             <a:endParaRPr kumimoji="0" lang="en-US"/>
@@ -4078,9 +3996,7 @@
               <a:bevelT w="25400" h="25400"/>
             </a:sp3d>
           </a:bodyPr>
-          <a:lstStyle>
-            <a:extLst/>
-          </a:lstStyle>
+          <a:lstStyle/>
           <a:p>
             <a:r>
               <a:rPr kumimoji="0" lang="en-US" smtClean="0"/>
@@ -4113,9 +4029,7 @@
           <a:bodyPr vert="horz">
             <a:normAutofit/>
           </a:bodyPr>
-          <a:lstStyle>
-            <a:extLst/>
-          </a:lstStyle>
+          <a:lstStyle/>
           <a:p>
             <a:pPr lvl="0" eaLnBrk="1" latinLnBrk="0" hangingPunct="1"/>
             <a:r>
@@ -4188,7 +4102,7 @@
           <a:p>
             <a:fld id="{5F995BE3-DCEE-42B5-A668-079695F96248}" type="datetimeFigureOut">
               <a:rPr lang="en-US" smtClean="0"/>
-              <a:t>11/23/2015</a:t>
+              <a:t>12/2/2015</a:t>
             </a:fld>
             <a:endParaRPr lang="en-US"/>
           </a:p>
@@ -4668,16 +4582,8 @@
               <a:t>Fabien </a:t>
             </a:r>
             <a:r>
-              <a:rPr lang="en-US" altLang="zh-TW" dirty="0" err="1" smtClean="0"/>
+              <a:rPr lang="en-US" altLang="zh-TW" smtClean="0"/>
               <a:t>Lahaille</a:t>
-            </a:r>
-            <a:r>
-              <a:rPr lang="en-US" altLang="zh-TW" dirty="0" smtClean="0"/>
-              <a:t>, </a:t>
-            </a:r>
-            <a:r>
-              <a:rPr lang="zh-TW" altLang="en-US" dirty="0" smtClean="0"/>
-              <a:t>崔為倫</a:t>
             </a:r>
             <a:endParaRPr lang="ja-JP" altLang="en-US" dirty="0"/>
           </a:p>
